--- a/Boosting.pptx
+++ b/Boosting.pptx
@@ -5,18 +5,23 @@
     <p:sldMasterId id="2147483648" r:id="rId1"/>
   </p:sldMasterIdLst>
   <p:notesMasterIdLst>
-    <p:notesMasterId r:id="rId11"/>
+    <p:notesMasterId r:id="rId16"/>
   </p:notesMasterIdLst>
   <p:sldIdLst>
     <p:sldId id="256" r:id="rId2"/>
     <p:sldId id="257" r:id="rId3"/>
     <p:sldId id="258" r:id="rId4"/>
     <p:sldId id="259" r:id="rId5"/>
-    <p:sldId id="260" r:id="rId6"/>
-    <p:sldId id="261" r:id="rId7"/>
-    <p:sldId id="262" r:id="rId8"/>
-    <p:sldId id="264" r:id="rId9"/>
-    <p:sldId id="265" r:id="rId10"/>
+    <p:sldId id="267" r:id="rId6"/>
+    <p:sldId id="268" r:id="rId7"/>
+    <p:sldId id="260" r:id="rId8"/>
+    <p:sldId id="269" r:id="rId9"/>
+    <p:sldId id="270" r:id="rId10"/>
+    <p:sldId id="264" r:id="rId11"/>
+    <p:sldId id="262" r:id="rId12"/>
+    <p:sldId id="271" r:id="rId13"/>
+    <p:sldId id="272" r:id="rId14"/>
+    <p:sldId id="273" r:id="rId15"/>
   </p:sldIdLst>
   <p:sldSz cx="12192000" cy="6858000"/>
   <p:notesSz cx="6858000" cy="9144000"/>
@@ -115,6 +120,11 @@
       </a:defRPr>
     </a:lvl9pPr>
   </p:defaultTextStyle>
+  <p:extLst>
+    <p:ext uri="{EFAFB233-063F-42B5-8137-9DF3F51BA10A}">
+      <p15:sldGuideLst xmlns:p15="http://schemas.microsoft.com/office/powerpoint/2012/main"/>
+    </p:ext>
+  </p:extLst>
 </p:presentation>
 </file>
 
@@ -122,12 +132,336 @@
 <p1510:revInfo xmlns:a="http://schemas.openxmlformats.org/drawingml/2006/main" xmlns:r="http://schemas.openxmlformats.org/officeDocument/2006/relationships" xmlns:p1510="http://schemas.microsoft.com/office/powerpoint/2015/10/main">
   <p1510:revLst>
     <p1510:client id="{091F7140-25DA-4B1A-9F72-B52CAA951773}" v="26" dt="2025-07-28T06:24:24.704"/>
+    <p1510:client id="{4DC83353-47B9-4D6A-A2CE-1736D99A3A8F}" v="10" dt="2025-07-28T12:02:42.607"/>
   </p1510:revLst>
 </p1510:revInfo>
 </file>
 
 <file path=ppt/changesInfos/changesInfo1.xml><?xml version="1.0" encoding="utf-8"?>
 <pc:chgInfo xmlns:a="http://schemas.openxmlformats.org/drawingml/2006/main" xmlns:r="http://schemas.openxmlformats.org/officeDocument/2006/relationships" xmlns:ac="http://schemas.microsoft.com/office/drawing/2013/main/command" xmlns:pc="http://schemas.microsoft.com/office/powerpoint/2013/main/command">
+  <pc:docChgLst>
+    <pc:chgData name="Lakshmi Prabha" userId="b8994c5a384147e8" providerId="LiveId" clId="{4DC83353-47B9-4D6A-A2CE-1736D99A3A8F}"/>
+    <pc:docChg chg="undo custSel addSld delSld modSld">
+      <pc:chgData name="Lakshmi Prabha" userId="b8994c5a384147e8" providerId="LiveId" clId="{4DC83353-47B9-4D6A-A2CE-1736D99A3A8F}" dt="2025-07-28T12:05:56.374" v="1187" actId="20577"/>
+      <pc:docMkLst>
+        <pc:docMk/>
+      </pc:docMkLst>
+      <pc:sldChg chg="del">
+        <pc:chgData name="Lakshmi Prabha" userId="b8994c5a384147e8" providerId="LiveId" clId="{4DC83353-47B9-4D6A-A2CE-1736D99A3A8F}" dt="2025-07-28T10:36:02.133" v="394" actId="2696"/>
+        <pc:sldMkLst>
+          <pc:docMk/>
+          <pc:sldMk cId="1972081187" sldId="261"/>
+        </pc:sldMkLst>
+      </pc:sldChg>
+      <pc:sldChg chg="del">
+        <pc:chgData name="Lakshmi Prabha" userId="b8994c5a384147e8" providerId="LiveId" clId="{4DC83353-47B9-4D6A-A2CE-1736D99A3A8F}" dt="2025-07-28T11:48:30.915" v="654" actId="2696"/>
+        <pc:sldMkLst>
+          <pc:docMk/>
+          <pc:sldMk cId="943520843" sldId="262"/>
+        </pc:sldMkLst>
+      </pc:sldChg>
+      <pc:sldChg chg="add">
+        <pc:chgData name="Lakshmi Prabha" userId="b8994c5a384147e8" providerId="LiveId" clId="{4DC83353-47B9-4D6A-A2CE-1736D99A3A8F}" dt="2025-07-28T11:48:36.988" v="655"/>
+        <pc:sldMkLst>
+          <pc:docMk/>
+          <pc:sldMk cId="3368803526" sldId="262"/>
+        </pc:sldMkLst>
+      </pc:sldChg>
+      <pc:sldChg chg="del">
+        <pc:chgData name="Lakshmi Prabha" userId="b8994c5a384147e8" providerId="LiveId" clId="{4DC83353-47B9-4D6A-A2CE-1736D99A3A8F}" dt="2025-07-28T11:48:42.831" v="656" actId="2696"/>
+        <pc:sldMkLst>
+          <pc:docMk/>
+          <pc:sldMk cId="331328997" sldId="265"/>
+        </pc:sldMkLst>
+      </pc:sldChg>
+      <pc:sldChg chg="addSp delSp modSp new del mod">
+        <pc:chgData name="Lakshmi Prabha" userId="b8994c5a384147e8" providerId="LiveId" clId="{4DC83353-47B9-4D6A-A2CE-1736D99A3A8F}" dt="2025-07-28T10:24:23.968" v="6" actId="2696"/>
+        <pc:sldMkLst>
+          <pc:docMk/>
+          <pc:sldMk cId="343133286" sldId="266"/>
+        </pc:sldMkLst>
+        <pc:spChg chg="del">
+          <ac:chgData name="Lakshmi Prabha" userId="b8994c5a384147e8" providerId="LiveId" clId="{4DC83353-47B9-4D6A-A2CE-1736D99A3A8F}" dt="2025-07-28T10:23:43.179" v="1" actId="931"/>
+          <ac:spMkLst>
+            <pc:docMk/>
+            <pc:sldMk cId="343133286" sldId="266"/>
+            <ac:spMk id="3" creationId="{C553F764-93AC-6952-FD3E-68F25C1C868E}"/>
+          </ac:spMkLst>
+        </pc:spChg>
+        <pc:spChg chg="add mod">
+          <ac:chgData name="Lakshmi Prabha" userId="b8994c5a384147e8" providerId="LiveId" clId="{4DC83353-47B9-4D6A-A2CE-1736D99A3A8F}" dt="2025-07-28T10:24:15.357" v="5" actId="21"/>
+          <ac:spMkLst>
+            <pc:docMk/>
+            <pc:sldMk cId="343133286" sldId="266"/>
+            <ac:spMk id="7" creationId="{7CE70DB7-E920-9E6A-9A4C-95C3674AC532}"/>
+          </ac:spMkLst>
+        </pc:spChg>
+        <pc:picChg chg="add del mod">
+          <ac:chgData name="Lakshmi Prabha" userId="b8994c5a384147e8" providerId="LiveId" clId="{4DC83353-47B9-4D6A-A2CE-1736D99A3A8F}" dt="2025-07-28T10:24:15.357" v="5" actId="21"/>
+          <ac:picMkLst>
+            <pc:docMk/>
+            <pc:sldMk cId="343133286" sldId="266"/>
+            <ac:picMk id="5" creationId="{07E82F80-68F8-AE83-180B-5C289F8C0E7A}"/>
+          </ac:picMkLst>
+        </pc:picChg>
+      </pc:sldChg>
+      <pc:sldChg chg="addSp modSp new mod">
+        <pc:chgData name="Lakshmi Prabha" userId="b8994c5a384147e8" providerId="LiveId" clId="{4DC83353-47B9-4D6A-A2CE-1736D99A3A8F}" dt="2025-07-28T10:24:36.929" v="9" actId="14100"/>
+        <pc:sldMkLst>
+          <pc:docMk/>
+          <pc:sldMk cId="1612887918" sldId="267"/>
+        </pc:sldMkLst>
+        <pc:picChg chg="add mod">
+          <ac:chgData name="Lakshmi Prabha" userId="b8994c5a384147e8" providerId="LiveId" clId="{4DC83353-47B9-4D6A-A2CE-1736D99A3A8F}" dt="2025-07-28T10:24:36.929" v="9" actId="14100"/>
+          <ac:picMkLst>
+            <pc:docMk/>
+            <pc:sldMk cId="1612887918" sldId="267"/>
+            <ac:picMk id="2" creationId="{7FE63369-C2A1-D8CF-34F3-01175581A652}"/>
+          </ac:picMkLst>
+        </pc:picChg>
+      </pc:sldChg>
+      <pc:sldChg chg="addSp delSp modSp new mod modClrScheme chgLayout">
+        <pc:chgData name="Lakshmi Prabha" userId="b8994c5a384147e8" providerId="LiveId" clId="{4DC83353-47B9-4D6A-A2CE-1736D99A3A8F}" dt="2025-07-28T10:31:27.104" v="388" actId="113"/>
+        <pc:sldMkLst>
+          <pc:docMk/>
+          <pc:sldMk cId="3351119956" sldId="268"/>
+        </pc:sldMkLst>
+        <pc:spChg chg="add del mod">
+          <ac:chgData name="Lakshmi Prabha" userId="b8994c5a384147e8" providerId="LiveId" clId="{4DC83353-47B9-4D6A-A2CE-1736D99A3A8F}" dt="2025-07-28T10:26:38.131" v="19" actId="700"/>
+          <ac:spMkLst>
+            <pc:docMk/>
+            <pc:sldMk cId="3351119956" sldId="268"/>
+            <ac:spMk id="4" creationId="{2FED4029-793C-C639-4248-2F4CF63F2A87}"/>
+          </ac:spMkLst>
+        </pc:spChg>
+        <pc:spChg chg="add del mod">
+          <ac:chgData name="Lakshmi Prabha" userId="b8994c5a384147e8" providerId="LiveId" clId="{4DC83353-47B9-4D6A-A2CE-1736D99A3A8F}" dt="2025-07-28T10:26:38.131" v="19" actId="700"/>
+          <ac:spMkLst>
+            <pc:docMk/>
+            <pc:sldMk cId="3351119956" sldId="268"/>
+            <ac:spMk id="5" creationId="{A806559A-E71E-130C-3135-20A49CFC6BF7}"/>
+          </ac:spMkLst>
+        </pc:spChg>
+        <pc:spChg chg="add mod">
+          <ac:chgData name="Lakshmi Prabha" userId="b8994c5a384147e8" providerId="LiveId" clId="{4DC83353-47B9-4D6A-A2CE-1736D99A3A8F}" dt="2025-07-28T10:27:11.092" v="54" actId="20577"/>
+          <ac:spMkLst>
+            <pc:docMk/>
+            <pc:sldMk cId="3351119956" sldId="268"/>
+            <ac:spMk id="6" creationId="{FBB745AD-CCB2-6A1F-2DC8-BFB902307C2C}"/>
+          </ac:spMkLst>
+        </pc:spChg>
+        <pc:spChg chg="add mod">
+          <ac:chgData name="Lakshmi Prabha" userId="b8994c5a384147e8" providerId="LiveId" clId="{4DC83353-47B9-4D6A-A2CE-1736D99A3A8F}" dt="2025-07-28T10:31:27.104" v="388" actId="113"/>
+          <ac:spMkLst>
+            <pc:docMk/>
+            <pc:sldMk cId="3351119956" sldId="268"/>
+            <ac:spMk id="7" creationId="{4CD0FDD7-36FB-D7B2-4C30-D7227DE92D65}"/>
+          </ac:spMkLst>
+        </pc:spChg>
+        <pc:picChg chg="add mod">
+          <ac:chgData name="Lakshmi Prabha" userId="b8994c5a384147e8" providerId="LiveId" clId="{4DC83353-47B9-4D6A-A2CE-1736D99A3A8F}" dt="2025-07-28T10:25:01.639" v="13"/>
+          <ac:picMkLst>
+            <pc:docMk/>
+            <pc:sldMk cId="3351119956" sldId="268"/>
+            <ac:picMk id="2" creationId="{B57C41EB-4CEF-0915-C49A-B0F6D7F9894A}"/>
+          </ac:picMkLst>
+        </pc:picChg>
+        <pc:picChg chg="add mod">
+          <ac:chgData name="Lakshmi Prabha" userId="b8994c5a384147e8" providerId="LiveId" clId="{4DC83353-47B9-4D6A-A2CE-1736D99A3A8F}" dt="2025-07-28T10:25:17.239" v="15"/>
+          <ac:picMkLst>
+            <pc:docMk/>
+            <pc:sldMk cId="3351119956" sldId="268"/>
+            <ac:picMk id="3" creationId="{56EE8925-33B8-C52C-210E-6E8DCC1009BD}"/>
+          </ac:picMkLst>
+        </pc:picChg>
+      </pc:sldChg>
+      <pc:sldChg chg="addSp delSp modSp new mod">
+        <pc:chgData name="Lakshmi Prabha" userId="b8994c5a384147e8" providerId="LiveId" clId="{4DC83353-47B9-4D6A-A2CE-1736D99A3A8F}" dt="2025-07-28T10:36:17.107" v="422" actId="20577"/>
+        <pc:sldMkLst>
+          <pc:docMk/>
+          <pc:sldMk cId="1958402470" sldId="269"/>
+        </pc:sldMkLst>
+        <pc:spChg chg="mod">
+          <ac:chgData name="Lakshmi Prabha" userId="b8994c5a384147e8" providerId="LiveId" clId="{4DC83353-47B9-4D6A-A2CE-1736D99A3A8F}" dt="2025-07-28T10:36:17.107" v="422" actId="20577"/>
+          <ac:spMkLst>
+            <pc:docMk/>
+            <pc:sldMk cId="1958402470" sldId="269"/>
+            <ac:spMk id="2" creationId="{EB4641EE-CEE2-0E41-EC2F-E477F70F9801}"/>
+          </ac:spMkLst>
+        </pc:spChg>
+        <pc:spChg chg="del">
+          <ac:chgData name="Lakshmi Prabha" userId="b8994c5a384147e8" providerId="LiveId" clId="{4DC83353-47B9-4D6A-A2CE-1736D99A3A8F}" dt="2025-07-28T10:35:56.548" v="393"/>
+          <ac:spMkLst>
+            <pc:docMk/>
+            <pc:sldMk cId="1958402470" sldId="269"/>
+            <ac:spMk id="3" creationId="{3914CFB1-4289-245C-F82F-296F91A86FEC}"/>
+          </ac:spMkLst>
+        </pc:spChg>
+        <pc:picChg chg="add mod">
+          <ac:chgData name="Lakshmi Prabha" userId="b8994c5a384147e8" providerId="LiveId" clId="{4DC83353-47B9-4D6A-A2CE-1736D99A3A8F}" dt="2025-07-28T10:35:56.548" v="393"/>
+          <ac:picMkLst>
+            <pc:docMk/>
+            <pc:sldMk cId="1958402470" sldId="269"/>
+            <ac:picMk id="4" creationId="{0DC382E0-EE63-369B-4BA9-7020C0F30C19}"/>
+          </ac:picMkLst>
+        </pc:picChg>
+      </pc:sldChg>
+      <pc:sldChg chg="new del">
+        <pc:chgData name="Lakshmi Prabha" userId="b8994c5a384147e8" providerId="LiveId" clId="{4DC83353-47B9-4D6A-A2CE-1736D99A3A8F}" dt="2025-07-28T10:31:57.541" v="390" actId="680"/>
+        <pc:sldMkLst>
+          <pc:docMk/>
+          <pc:sldMk cId="3066741148" sldId="269"/>
+        </pc:sldMkLst>
+      </pc:sldChg>
+      <pc:sldChg chg="modSp new mod">
+        <pc:chgData name="Lakshmi Prabha" userId="b8994c5a384147e8" providerId="LiveId" clId="{4DC83353-47B9-4D6A-A2CE-1736D99A3A8F}" dt="2025-07-28T11:47:54.502" v="653" actId="20577"/>
+        <pc:sldMkLst>
+          <pc:docMk/>
+          <pc:sldMk cId="2301389801" sldId="270"/>
+        </pc:sldMkLst>
+        <pc:spChg chg="mod">
+          <ac:chgData name="Lakshmi Prabha" userId="b8994c5a384147e8" providerId="LiveId" clId="{4DC83353-47B9-4D6A-A2CE-1736D99A3A8F}" dt="2025-07-28T11:45:57.882" v="527" actId="27636"/>
+          <ac:spMkLst>
+            <pc:docMk/>
+            <pc:sldMk cId="2301389801" sldId="270"/>
+            <ac:spMk id="2" creationId="{8EC8C334-4B1F-F2BF-9D52-A28076D9185F}"/>
+          </ac:spMkLst>
+        </pc:spChg>
+        <pc:spChg chg="mod">
+          <ac:chgData name="Lakshmi Prabha" userId="b8994c5a384147e8" providerId="LiveId" clId="{4DC83353-47B9-4D6A-A2CE-1736D99A3A8F}" dt="2025-07-28T11:47:54.502" v="653" actId="20577"/>
+          <ac:spMkLst>
+            <pc:docMk/>
+            <pc:sldMk cId="2301389801" sldId="270"/>
+            <ac:spMk id="3" creationId="{ABA804C6-E07D-7E42-41BE-5A33DFF98006}"/>
+          </ac:spMkLst>
+        </pc:spChg>
+      </pc:sldChg>
+      <pc:sldChg chg="modSp new mod">
+        <pc:chgData name="Lakshmi Prabha" userId="b8994c5a384147e8" providerId="LiveId" clId="{4DC83353-47B9-4D6A-A2CE-1736D99A3A8F}" dt="2025-07-28T11:56:19.164" v="683" actId="20577"/>
+        <pc:sldMkLst>
+          <pc:docMk/>
+          <pc:sldMk cId="194358995" sldId="271"/>
+        </pc:sldMkLst>
+        <pc:spChg chg="mod">
+          <ac:chgData name="Lakshmi Prabha" userId="b8994c5a384147e8" providerId="LiveId" clId="{4DC83353-47B9-4D6A-A2CE-1736D99A3A8F}" dt="2025-07-28T11:56:19.164" v="683" actId="20577"/>
+          <ac:spMkLst>
+            <pc:docMk/>
+            <pc:sldMk cId="194358995" sldId="271"/>
+            <ac:spMk id="2" creationId="{48C42EE0-1206-BE1B-91B2-6177010DCCC7}"/>
+          </ac:spMkLst>
+        </pc:spChg>
+        <pc:spChg chg="mod">
+          <ac:chgData name="Lakshmi Prabha" userId="b8994c5a384147e8" providerId="LiveId" clId="{4DC83353-47B9-4D6A-A2CE-1736D99A3A8F}" dt="2025-07-28T11:56:00.544" v="659" actId="20577"/>
+          <ac:spMkLst>
+            <pc:docMk/>
+            <pc:sldMk cId="194358995" sldId="271"/>
+            <ac:spMk id="3" creationId="{E90ECA87-B813-200E-C2F1-2B9610BFA1EC}"/>
+          </ac:spMkLst>
+        </pc:spChg>
+      </pc:sldChg>
+      <pc:sldChg chg="addSp delSp modSp new mod modClrScheme chgLayout">
+        <pc:chgData name="Lakshmi Prabha" userId="b8994c5a384147e8" providerId="LiveId" clId="{4DC83353-47B9-4D6A-A2CE-1736D99A3A8F}" dt="2025-07-28T12:00:40.722" v="901" actId="700"/>
+        <pc:sldMkLst>
+          <pc:docMk/>
+          <pc:sldMk cId="3113363573" sldId="272"/>
+        </pc:sldMkLst>
+        <pc:spChg chg="mod ord">
+          <ac:chgData name="Lakshmi Prabha" userId="b8994c5a384147e8" providerId="LiveId" clId="{4DC83353-47B9-4D6A-A2CE-1736D99A3A8F}" dt="2025-07-28T12:00:40.722" v="901" actId="700"/>
+          <ac:spMkLst>
+            <pc:docMk/>
+            <pc:sldMk cId="3113363573" sldId="272"/>
+            <ac:spMk id="2" creationId="{72968F43-D3F9-FE0C-63AE-7D6AD636E654}"/>
+          </ac:spMkLst>
+        </pc:spChg>
+        <pc:spChg chg="mod ord">
+          <ac:chgData name="Lakshmi Prabha" userId="b8994c5a384147e8" providerId="LiveId" clId="{4DC83353-47B9-4D6A-A2CE-1736D99A3A8F}" dt="2025-07-28T12:00:40.722" v="901" actId="700"/>
+          <ac:spMkLst>
+            <pc:docMk/>
+            <pc:sldMk cId="3113363573" sldId="272"/>
+            <ac:spMk id="3" creationId="{5057FB9D-511C-35E8-159F-B1E371CC8D3A}"/>
+          </ac:spMkLst>
+        </pc:spChg>
+        <pc:spChg chg="add del mod ord">
+          <ac:chgData name="Lakshmi Prabha" userId="b8994c5a384147e8" providerId="LiveId" clId="{4DC83353-47B9-4D6A-A2CE-1736D99A3A8F}" dt="2025-07-28T12:00:40.722" v="901" actId="700"/>
+          <ac:spMkLst>
+            <pc:docMk/>
+            <pc:sldMk cId="3113363573" sldId="272"/>
+            <ac:spMk id="4" creationId="{F26035E0-0496-E62D-E219-B0DCAAD8CA7B}"/>
+          </ac:spMkLst>
+        </pc:spChg>
+        <pc:spChg chg="add del mod ord">
+          <ac:chgData name="Lakshmi Prabha" userId="b8994c5a384147e8" providerId="LiveId" clId="{4DC83353-47B9-4D6A-A2CE-1736D99A3A8F}" dt="2025-07-28T12:00:40.722" v="901" actId="700"/>
+          <ac:spMkLst>
+            <pc:docMk/>
+            <pc:sldMk cId="3113363573" sldId="272"/>
+            <ac:spMk id="5" creationId="{AB61F09D-8CAF-795C-E8F6-F2589AB3A8FF}"/>
+          </ac:spMkLst>
+        </pc:spChg>
+        <pc:spChg chg="add del mod ord">
+          <ac:chgData name="Lakshmi Prabha" userId="b8994c5a384147e8" providerId="LiveId" clId="{4DC83353-47B9-4D6A-A2CE-1736D99A3A8F}" dt="2025-07-28T12:00:40.722" v="901" actId="700"/>
+          <ac:spMkLst>
+            <pc:docMk/>
+            <pc:sldMk cId="3113363573" sldId="272"/>
+            <ac:spMk id="6" creationId="{4D3D57AA-6420-1DDF-051D-F77CCCD4DD3E}"/>
+          </ac:spMkLst>
+        </pc:spChg>
+      </pc:sldChg>
+      <pc:sldChg chg="new del">
+        <pc:chgData name="Lakshmi Prabha" userId="b8994c5a384147e8" providerId="LiveId" clId="{4DC83353-47B9-4D6A-A2CE-1736D99A3A8F}" dt="2025-07-28T12:00:30.687" v="899" actId="680"/>
+        <pc:sldMkLst>
+          <pc:docMk/>
+          <pc:sldMk cId="2751174207" sldId="273"/>
+        </pc:sldMkLst>
+      </pc:sldChg>
+      <pc:sldChg chg="addSp delSp modSp new mod modClrScheme chgLayout">
+        <pc:chgData name="Lakshmi Prabha" userId="b8994c5a384147e8" providerId="LiveId" clId="{4DC83353-47B9-4D6A-A2CE-1736D99A3A8F}" dt="2025-07-28T12:05:56.374" v="1187" actId="20577"/>
+        <pc:sldMkLst>
+          <pc:docMk/>
+          <pc:sldMk cId="3490838565" sldId="273"/>
+        </pc:sldMkLst>
+        <pc:spChg chg="del mod ord">
+          <ac:chgData name="Lakshmi Prabha" userId="b8994c5a384147e8" providerId="LiveId" clId="{4DC83353-47B9-4D6A-A2CE-1736D99A3A8F}" dt="2025-07-28T12:00:56.669" v="903" actId="700"/>
+          <ac:spMkLst>
+            <pc:docMk/>
+            <pc:sldMk cId="3490838565" sldId="273"/>
+            <ac:spMk id="2" creationId="{8201A74B-FD5F-5318-AA6A-15C8636A2B36}"/>
+          </ac:spMkLst>
+        </pc:spChg>
+        <pc:spChg chg="del mod ord">
+          <ac:chgData name="Lakshmi Prabha" userId="b8994c5a384147e8" providerId="LiveId" clId="{4DC83353-47B9-4D6A-A2CE-1736D99A3A8F}" dt="2025-07-28T12:00:56.669" v="903" actId="700"/>
+          <ac:spMkLst>
+            <pc:docMk/>
+            <pc:sldMk cId="3490838565" sldId="273"/>
+            <ac:spMk id="3" creationId="{B5E429EB-6F24-F576-2B9D-9BBE1C346B38}"/>
+          </ac:spMkLst>
+        </pc:spChg>
+        <pc:spChg chg="add mod ord">
+          <ac:chgData name="Lakshmi Prabha" userId="b8994c5a384147e8" providerId="LiveId" clId="{4DC83353-47B9-4D6A-A2CE-1736D99A3A8F}" dt="2025-07-28T12:01:13.533" v="937" actId="20577"/>
+          <ac:spMkLst>
+            <pc:docMk/>
+            <pc:sldMk cId="3490838565" sldId="273"/>
+            <ac:spMk id="4" creationId="{6C1F4432-B643-F2DA-1489-6B406E885C1D}"/>
+          </ac:spMkLst>
+        </pc:spChg>
+        <pc:spChg chg="add mod ord">
+          <ac:chgData name="Lakshmi Prabha" userId="b8994c5a384147e8" providerId="LiveId" clId="{4DC83353-47B9-4D6A-A2CE-1736D99A3A8F}" dt="2025-07-28T12:05:56.374" v="1187" actId="20577"/>
+          <ac:spMkLst>
+            <pc:docMk/>
+            <pc:sldMk cId="3490838565" sldId="273"/>
+            <ac:spMk id="5" creationId="{03F7F85D-F223-E138-6CC3-4DC021E8B3B4}"/>
+          </ac:spMkLst>
+        </pc:spChg>
+        <pc:spChg chg="add mod ord">
+          <ac:chgData name="Lakshmi Prabha" userId="b8994c5a384147e8" providerId="LiveId" clId="{4DC83353-47B9-4D6A-A2CE-1736D99A3A8F}" dt="2025-07-28T12:04:11.425" v="1094" actId="20577"/>
+          <ac:spMkLst>
+            <pc:docMk/>
+            <pc:sldMk cId="3490838565" sldId="273"/>
+            <ac:spMk id="6" creationId="{FB33A75F-7684-9851-D602-E5B4BB1FB4EC}"/>
+          </ac:spMkLst>
+        </pc:spChg>
+      </pc:sldChg>
+    </pc:docChg>
+  </pc:docChgLst>
   <pc:docChgLst>
     <pc:chgData name="Lakshmi Prabha" userId="b8994c5a384147e8" providerId="LiveId" clId="{091F7140-25DA-4B1A-9F72-B52CAA951773}"/>
     <pc:docChg chg="undo custSel addSld delSld modSld">
@@ -4447,6 +4781,621 @@
 </p:sld>
 </file>
 
+<file path=ppt/slides/slide10.xml><?xml version="1.0" encoding="utf-8"?>
+<p:sld xmlns:a="http://schemas.openxmlformats.org/drawingml/2006/main" xmlns:r="http://schemas.openxmlformats.org/officeDocument/2006/relationships" xmlns:p="http://schemas.openxmlformats.org/presentationml/2006/main">
+  <p:cSld>
+    <p:spTree>
+      <p:nvGrpSpPr>
+        <p:cNvPr id="1" name=""/>
+        <p:cNvGrpSpPr/>
+        <p:nvPr/>
+      </p:nvGrpSpPr>
+      <p:grpSpPr>
+        <a:xfrm>
+          <a:off x="0" y="0"/>
+          <a:ext cx="0" cy="0"/>
+          <a:chOff x="0" y="0"/>
+          <a:chExt cx="0" cy="0"/>
+        </a:xfrm>
+      </p:grpSpPr>
+      <p:sp>
+        <p:nvSpPr>
+          <p:cNvPr id="4" name="Title 3">
+            <a:extLst>
+              <a:ext uri="{FF2B5EF4-FFF2-40B4-BE49-F238E27FC236}">
+                <a16:creationId xmlns:a16="http://schemas.microsoft.com/office/drawing/2014/main" id="{27BA4974-BCAB-E506-A56A-228EB566422F}"/>
+              </a:ext>
+            </a:extLst>
+          </p:cNvPr>
+          <p:cNvSpPr>
+            <a:spLocks noGrp="1"/>
+          </p:cNvSpPr>
+          <p:nvPr>
+            <p:ph type="title"/>
+          </p:nvPr>
+        </p:nvSpPr>
+        <p:spPr/>
+        <p:txBody>
+          <a:bodyPr/>
+          <a:lstStyle/>
+          <a:p>
+            <a:r>
+              <a:rPr lang="en-IN" dirty="0"/>
+              <a:t>Why choosing XG BOOSTING</a:t>
+            </a:r>
+          </a:p>
+        </p:txBody>
+      </p:sp>
+      <p:pic>
+        <p:nvPicPr>
+          <p:cNvPr id="10" name="Content Placeholder 9" descr="A chart with different colored rhombuses&#10;&#10;AI-generated content may be incorrect.">
+            <a:extLst>
+              <a:ext uri="{FF2B5EF4-FFF2-40B4-BE49-F238E27FC236}">
+                <a16:creationId xmlns:a16="http://schemas.microsoft.com/office/drawing/2014/main" id="{13284ABF-E6FC-0C93-8A95-B76233DE0FD3}"/>
+              </a:ext>
+            </a:extLst>
+          </p:cNvPr>
+          <p:cNvPicPr>
+            <a:picLocks noGrp="1" noChangeAspect="1"/>
+          </p:cNvPicPr>
+          <p:nvPr>
+            <p:ph sz="half" idx="1"/>
+          </p:nvPr>
+        </p:nvPicPr>
+        <p:blipFill>
+          <a:blip r:embed="rId2">
+            <a:extLst>
+              <a:ext uri="{28A0092B-C50C-407E-A947-70E740481C1C}">
+                <a14:useLocalDpi xmlns:a14="http://schemas.microsoft.com/office/drawing/2010/main" val="0"/>
+              </a:ext>
+            </a:extLst>
+          </a:blip>
+          <a:stretch>
+            <a:fillRect/>
+          </a:stretch>
+        </p:blipFill>
+        <p:spPr>
+          <a:xfrm>
+            <a:off x="838200" y="2809526"/>
+            <a:ext cx="5181600" cy="2383536"/>
+          </a:xfrm>
+        </p:spPr>
+      </p:pic>
+      <p:pic>
+        <p:nvPicPr>
+          <p:cNvPr id="14" name="Content Placeholder 13" descr="A diagram of a tree algorithm&#10;&#10;AI-generated content may be incorrect.">
+            <a:extLst>
+              <a:ext uri="{FF2B5EF4-FFF2-40B4-BE49-F238E27FC236}">
+                <a16:creationId xmlns:a16="http://schemas.microsoft.com/office/drawing/2014/main" id="{F7A7604C-C702-F9B5-D970-788F18EE9F20}"/>
+              </a:ext>
+            </a:extLst>
+          </p:cNvPr>
+          <p:cNvPicPr>
+            <a:picLocks noGrp="1" noChangeAspect="1"/>
+          </p:cNvPicPr>
+          <p:nvPr>
+            <p:ph sz="half" idx="2"/>
+          </p:nvPr>
+        </p:nvPicPr>
+        <p:blipFill>
+          <a:blip r:embed="rId3">
+            <a:extLst>
+              <a:ext uri="{28A0092B-C50C-407E-A947-70E740481C1C}">
+                <a14:useLocalDpi xmlns:a14="http://schemas.microsoft.com/office/drawing/2010/main" val="0"/>
+              </a:ext>
+            </a:extLst>
+          </a:blip>
+          <a:stretch>
+            <a:fillRect/>
+          </a:stretch>
+        </p:blipFill>
+        <p:spPr>
+          <a:xfrm>
+            <a:off x="6172200" y="2543969"/>
+            <a:ext cx="5181600" cy="2914650"/>
+          </a:xfrm>
+        </p:spPr>
+      </p:pic>
+    </p:spTree>
+    <p:extLst>
+      <p:ext uri="{BB962C8B-B14F-4D97-AF65-F5344CB8AC3E}">
+        <p14:creationId xmlns:p14="http://schemas.microsoft.com/office/powerpoint/2010/main" val="295096551"/>
+      </p:ext>
+    </p:extLst>
+  </p:cSld>
+  <p:clrMapOvr>
+    <a:masterClrMapping/>
+  </p:clrMapOvr>
+</p:sld>
+</file>
+
+<file path=ppt/slides/slide11.xml><?xml version="1.0" encoding="utf-8"?>
+<p:sld xmlns:a="http://schemas.openxmlformats.org/drawingml/2006/main" xmlns:r="http://schemas.openxmlformats.org/officeDocument/2006/relationships" xmlns:p="http://schemas.openxmlformats.org/presentationml/2006/main">
+  <p:cSld>
+    <p:spTree>
+      <p:nvGrpSpPr>
+        <p:cNvPr id="1" name=""/>
+        <p:cNvGrpSpPr/>
+        <p:nvPr/>
+      </p:nvGrpSpPr>
+      <p:grpSpPr>
+        <a:xfrm>
+          <a:off x="0" y="0"/>
+          <a:ext cx="0" cy="0"/>
+          <a:chOff x="0" y="0"/>
+          <a:chExt cx="0" cy="0"/>
+        </a:xfrm>
+      </p:grpSpPr>
+      <p:sp>
+        <p:nvSpPr>
+          <p:cNvPr id="2" name="Title 1">
+            <a:extLst>
+              <a:ext uri="{FF2B5EF4-FFF2-40B4-BE49-F238E27FC236}">
+                <a16:creationId xmlns:a16="http://schemas.microsoft.com/office/drawing/2014/main" id="{8DBAF4A4-759A-AEE5-C08D-EB9BE621AA9D}"/>
+              </a:ext>
+            </a:extLst>
+          </p:cNvPr>
+          <p:cNvSpPr>
+            <a:spLocks noGrp="1"/>
+          </p:cNvSpPr>
+          <p:nvPr>
+            <p:ph type="title"/>
+          </p:nvPr>
+        </p:nvSpPr>
+        <p:spPr/>
+        <p:txBody>
+          <a:bodyPr/>
+          <a:lstStyle/>
+          <a:p>
+            <a:r>
+              <a:rPr lang="en-IN" dirty="0"/>
+              <a:t>Light boosting</a:t>
+            </a:r>
+            <a:br>
+              <a:rPr lang="en-IN" dirty="0"/>
+            </a:br>
+            <a:endParaRPr lang="en-IN" dirty="0"/>
+          </a:p>
+        </p:txBody>
+      </p:sp>
+      <p:pic>
+        <p:nvPicPr>
+          <p:cNvPr id="5" name="Content Placeholder 4" descr="A diagram of a diagram of a diagram&#10;&#10;AI-generated content may be incorrect.">
+            <a:extLst>
+              <a:ext uri="{FF2B5EF4-FFF2-40B4-BE49-F238E27FC236}">
+                <a16:creationId xmlns:a16="http://schemas.microsoft.com/office/drawing/2014/main" id="{5D60F91D-1C93-7BC0-6562-BF7C709A815C}"/>
+              </a:ext>
+            </a:extLst>
+          </p:cNvPr>
+          <p:cNvPicPr>
+            <a:picLocks noGrp="1" noChangeAspect="1"/>
+          </p:cNvPicPr>
+          <p:nvPr>
+            <p:ph idx="1"/>
+          </p:nvPr>
+        </p:nvPicPr>
+        <p:blipFill>
+          <a:blip r:embed="rId2">
+            <a:extLst>
+              <a:ext uri="{28A0092B-C50C-407E-A947-70E740481C1C}">
+                <a14:useLocalDpi xmlns:a14="http://schemas.microsoft.com/office/drawing/2010/main" val="0"/>
+              </a:ext>
+            </a:extLst>
+          </a:blip>
+          <a:stretch>
+            <a:fillRect/>
+          </a:stretch>
+        </p:blipFill>
+        <p:spPr>
+          <a:xfrm>
+            <a:off x="1351280" y="1971040"/>
+            <a:ext cx="8483600" cy="3627120"/>
+          </a:xfrm>
+        </p:spPr>
+      </p:pic>
+    </p:spTree>
+    <p:extLst>
+      <p:ext uri="{BB962C8B-B14F-4D97-AF65-F5344CB8AC3E}">
+        <p14:creationId xmlns:p14="http://schemas.microsoft.com/office/powerpoint/2010/main" val="3368803526"/>
+      </p:ext>
+    </p:extLst>
+  </p:cSld>
+  <p:clrMapOvr>
+    <a:masterClrMapping/>
+  </p:clrMapOvr>
+</p:sld>
+</file>
+
+<file path=ppt/slides/slide12.xml><?xml version="1.0" encoding="utf-8"?>
+<p:sld xmlns:a="http://schemas.openxmlformats.org/drawingml/2006/main" xmlns:r="http://schemas.openxmlformats.org/officeDocument/2006/relationships" xmlns:p="http://schemas.openxmlformats.org/presentationml/2006/main">
+  <p:cSld>
+    <p:spTree>
+      <p:nvGrpSpPr>
+        <p:cNvPr id="1" name=""/>
+        <p:cNvGrpSpPr/>
+        <p:nvPr/>
+      </p:nvGrpSpPr>
+      <p:grpSpPr>
+        <a:xfrm>
+          <a:off x="0" y="0"/>
+          <a:ext cx="0" cy="0"/>
+          <a:chOff x="0" y="0"/>
+          <a:chExt cx="0" cy="0"/>
+        </a:xfrm>
+      </p:grpSpPr>
+      <p:sp>
+        <p:nvSpPr>
+          <p:cNvPr id="2" name="Title 1">
+            <a:extLst>
+              <a:ext uri="{FF2B5EF4-FFF2-40B4-BE49-F238E27FC236}">
+                <a16:creationId xmlns:a16="http://schemas.microsoft.com/office/drawing/2014/main" id="{48C42EE0-1206-BE1B-91B2-6177010DCCC7}"/>
+              </a:ext>
+            </a:extLst>
+          </p:cNvPr>
+          <p:cNvSpPr>
+            <a:spLocks noGrp="1"/>
+          </p:cNvSpPr>
+          <p:nvPr>
+            <p:ph type="title"/>
+          </p:nvPr>
+        </p:nvSpPr>
+        <p:spPr/>
+        <p:txBody>
+          <a:bodyPr/>
+          <a:lstStyle/>
+          <a:p>
+            <a:r>
+              <a:rPr lang="en-IN" dirty="0"/>
+              <a:t>Why </a:t>
+            </a:r>
+            <a:r>
+              <a:rPr lang="en-IN" dirty="0" err="1"/>
+              <a:t>lightboosting</a:t>
+            </a:r>
+            <a:r>
+              <a:rPr lang="en-IN" dirty="0"/>
+              <a:t>….</a:t>
+            </a:r>
+          </a:p>
+        </p:txBody>
+      </p:sp>
+      <p:sp>
+        <p:nvSpPr>
+          <p:cNvPr id="3" name="Content Placeholder 2">
+            <a:extLst>
+              <a:ext uri="{FF2B5EF4-FFF2-40B4-BE49-F238E27FC236}">
+                <a16:creationId xmlns:a16="http://schemas.microsoft.com/office/drawing/2014/main" id="{E90ECA87-B813-200E-C2F1-2B9610BFA1EC}"/>
+              </a:ext>
+            </a:extLst>
+          </p:cNvPr>
+          <p:cNvSpPr>
+            <a:spLocks noGrp="1"/>
+          </p:cNvSpPr>
+          <p:nvPr>
+            <p:ph idx="1"/>
+          </p:nvPr>
+        </p:nvSpPr>
+        <p:spPr/>
+        <p:txBody>
+          <a:bodyPr/>
+          <a:lstStyle/>
+          <a:p>
+            <a:r>
+              <a:rPr lang="en-US" dirty="0"/>
+              <a:t>It's designed for efficiency, scalability and high accuracy particularly with large datasets. </a:t>
+            </a:r>
+          </a:p>
+          <a:p>
+            <a:r>
+              <a:rPr lang="en-US" dirty="0"/>
+              <a:t>It uses decision trees that grow efficiently by minimizing memory usage and optimizing training time.</a:t>
+            </a:r>
+            <a:endParaRPr lang="en-IN" dirty="0"/>
+          </a:p>
+        </p:txBody>
+      </p:sp>
+    </p:spTree>
+    <p:extLst>
+      <p:ext uri="{BB962C8B-B14F-4D97-AF65-F5344CB8AC3E}">
+        <p14:creationId xmlns:p14="http://schemas.microsoft.com/office/powerpoint/2010/main" val="194358995"/>
+      </p:ext>
+    </p:extLst>
+  </p:cSld>
+  <p:clrMapOvr>
+    <a:masterClrMapping/>
+  </p:clrMapOvr>
+</p:sld>
+</file>
+
+<file path=ppt/slides/slide13.xml><?xml version="1.0" encoding="utf-8"?>
+<p:sld xmlns:a="http://schemas.openxmlformats.org/drawingml/2006/main" xmlns:r="http://schemas.openxmlformats.org/officeDocument/2006/relationships" xmlns:p="http://schemas.openxmlformats.org/presentationml/2006/main">
+  <p:cSld>
+    <p:spTree>
+      <p:nvGrpSpPr>
+        <p:cNvPr id="1" name=""/>
+        <p:cNvGrpSpPr/>
+        <p:nvPr/>
+      </p:nvGrpSpPr>
+      <p:grpSpPr>
+        <a:xfrm>
+          <a:off x="0" y="0"/>
+          <a:ext cx="0" cy="0"/>
+          <a:chOff x="0" y="0"/>
+          <a:chExt cx="0" cy="0"/>
+        </a:xfrm>
+      </p:grpSpPr>
+      <p:sp>
+        <p:nvSpPr>
+          <p:cNvPr id="2" name="Title 1">
+            <a:extLst>
+              <a:ext uri="{FF2B5EF4-FFF2-40B4-BE49-F238E27FC236}">
+                <a16:creationId xmlns:a16="http://schemas.microsoft.com/office/drawing/2014/main" id="{72968F43-D3F9-FE0C-63AE-7D6AD636E654}"/>
+              </a:ext>
+            </a:extLst>
+          </p:cNvPr>
+          <p:cNvSpPr>
+            <a:spLocks noGrp="1"/>
+          </p:cNvSpPr>
+          <p:nvPr>
+            <p:ph type="title"/>
+          </p:nvPr>
+        </p:nvSpPr>
+        <p:spPr/>
+        <p:txBody>
+          <a:bodyPr/>
+          <a:lstStyle/>
+          <a:p>
+            <a:r>
+              <a:rPr lang="en-IN" dirty="0"/>
+              <a:t>Limitations of </a:t>
+            </a:r>
+            <a:r>
+              <a:rPr lang="en-IN" dirty="0" err="1"/>
+              <a:t>Lightboosting</a:t>
+            </a:r>
+            <a:br>
+              <a:rPr lang="en-IN" dirty="0"/>
+            </a:br>
+            <a:endParaRPr lang="en-IN" dirty="0"/>
+          </a:p>
+        </p:txBody>
+      </p:sp>
+      <p:sp>
+        <p:nvSpPr>
+          <p:cNvPr id="3" name="Content Placeholder 2">
+            <a:extLst>
+              <a:ext uri="{FF2B5EF4-FFF2-40B4-BE49-F238E27FC236}">
+                <a16:creationId xmlns:a16="http://schemas.microsoft.com/office/drawing/2014/main" id="{5057FB9D-511C-35E8-159F-B1E371CC8D3A}"/>
+              </a:ext>
+            </a:extLst>
+          </p:cNvPr>
+          <p:cNvSpPr>
+            <a:spLocks noGrp="1"/>
+          </p:cNvSpPr>
+          <p:nvPr>
+            <p:ph idx="1"/>
+          </p:nvPr>
+        </p:nvSpPr>
+        <p:spPr/>
+        <p:txBody>
+          <a:bodyPr/>
+          <a:lstStyle/>
+          <a:p>
+            <a:r>
+              <a:rPr lang="en-IN" dirty="0"/>
+              <a:t>Can be very slow for small datasets</a:t>
+            </a:r>
+          </a:p>
+          <a:p>
+            <a:r>
+              <a:rPr lang="en-IN" dirty="0"/>
+              <a:t>Needs careful tuning while sensitive to hyperparameters</a:t>
+            </a:r>
+          </a:p>
+          <a:p>
+            <a:r>
+              <a:rPr lang="en-IN" dirty="0"/>
+              <a:t>Its mainly for classification problems limited in Regression</a:t>
+            </a:r>
+          </a:p>
+          <a:p>
+            <a:endParaRPr lang="en-IN" dirty="0"/>
+          </a:p>
+        </p:txBody>
+      </p:sp>
+    </p:spTree>
+    <p:extLst>
+      <p:ext uri="{BB962C8B-B14F-4D97-AF65-F5344CB8AC3E}">
+        <p14:creationId xmlns:p14="http://schemas.microsoft.com/office/powerpoint/2010/main" val="3113363573"/>
+      </p:ext>
+    </p:extLst>
+  </p:cSld>
+  <p:clrMapOvr>
+    <a:masterClrMapping/>
+  </p:clrMapOvr>
+</p:sld>
+</file>
+
+<file path=ppt/slides/slide14.xml><?xml version="1.0" encoding="utf-8"?>
+<p:sld xmlns:a="http://schemas.openxmlformats.org/drawingml/2006/main" xmlns:r="http://schemas.openxmlformats.org/officeDocument/2006/relationships" xmlns:p="http://schemas.openxmlformats.org/presentationml/2006/main">
+  <p:cSld>
+    <p:spTree>
+      <p:nvGrpSpPr>
+        <p:cNvPr id="1" name=""/>
+        <p:cNvGrpSpPr/>
+        <p:nvPr/>
+      </p:nvGrpSpPr>
+      <p:grpSpPr>
+        <a:xfrm>
+          <a:off x="0" y="0"/>
+          <a:ext cx="0" cy="0"/>
+          <a:chOff x="0" y="0"/>
+          <a:chExt cx="0" cy="0"/>
+        </a:xfrm>
+      </p:grpSpPr>
+      <p:sp>
+        <p:nvSpPr>
+          <p:cNvPr id="4" name="Title 3">
+            <a:extLst>
+              <a:ext uri="{FF2B5EF4-FFF2-40B4-BE49-F238E27FC236}">
+                <a16:creationId xmlns:a16="http://schemas.microsoft.com/office/drawing/2014/main" id="{6C1F4432-B643-F2DA-1489-6B406E885C1D}"/>
+              </a:ext>
+            </a:extLst>
+          </p:cNvPr>
+          <p:cNvSpPr>
+            <a:spLocks noGrp="1"/>
+          </p:cNvSpPr>
+          <p:nvPr>
+            <p:ph type="title"/>
+          </p:nvPr>
+        </p:nvSpPr>
+        <p:spPr/>
+        <p:txBody>
+          <a:bodyPr/>
+          <a:lstStyle/>
+          <a:p>
+            <a:r>
+              <a:rPr lang="en-IN" dirty="0"/>
+              <a:t>        REAL TIME APPLICATIONS</a:t>
+            </a:r>
+          </a:p>
+        </p:txBody>
+      </p:sp>
+      <p:sp>
+        <p:nvSpPr>
+          <p:cNvPr id="5" name="Content Placeholder 4">
+            <a:extLst>
+              <a:ext uri="{FF2B5EF4-FFF2-40B4-BE49-F238E27FC236}">
+                <a16:creationId xmlns:a16="http://schemas.microsoft.com/office/drawing/2014/main" id="{03F7F85D-F223-E138-6CC3-4DC021E8B3B4}"/>
+              </a:ext>
+            </a:extLst>
+          </p:cNvPr>
+          <p:cNvSpPr>
+            <a:spLocks noGrp="1"/>
+          </p:cNvSpPr>
+          <p:nvPr>
+            <p:ph sz="half" idx="1"/>
+          </p:nvPr>
+        </p:nvSpPr>
+        <p:spPr/>
+        <p:txBody>
+          <a:bodyPr/>
+          <a:lstStyle/>
+          <a:p>
+            <a:r>
+              <a:rPr lang="en-IN" b="1" dirty="0"/>
+              <a:t>XG BOOSTING</a:t>
+            </a:r>
+          </a:p>
+          <a:p>
+            <a:pPr marL="0" indent="0">
+              <a:buNone/>
+            </a:pPr>
+            <a:endParaRPr lang="en-IN" b="1" dirty="0"/>
+          </a:p>
+          <a:p>
+            <a:pPr marL="0" indent="0">
+              <a:buNone/>
+            </a:pPr>
+            <a:endParaRPr lang="en-IN" b="1" dirty="0"/>
+          </a:p>
+          <a:p>
+            <a:pPr marL="0" indent="0">
+              <a:buNone/>
+            </a:pPr>
+            <a:r>
+              <a:rPr lang="en-IN" b="1" dirty="0"/>
+              <a:t>Fraud detections</a:t>
+            </a:r>
+          </a:p>
+          <a:p>
+            <a:pPr marL="0" indent="0">
+              <a:buNone/>
+            </a:pPr>
+            <a:r>
+              <a:rPr lang="en-IN" b="1" dirty="0"/>
+              <a:t>Recommendation systems to suggest products </a:t>
+            </a:r>
+            <a:r>
+              <a:rPr lang="en-IN" b="1"/>
+              <a:t>to customers</a:t>
+            </a:r>
+          </a:p>
+          <a:p>
+            <a:pPr marL="0" indent="0">
+              <a:buNone/>
+            </a:pPr>
+            <a:endParaRPr lang="en-IN" b="1"/>
+          </a:p>
+        </p:txBody>
+      </p:sp>
+      <p:sp>
+        <p:nvSpPr>
+          <p:cNvPr id="6" name="Content Placeholder 5">
+            <a:extLst>
+              <a:ext uri="{FF2B5EF4-FFF2-40B4-BE49-F238E27FC236}">
+                <a16:creationId xmlns:a16="http://schemas.microsoft.com/office/drawing/2014/main" id="{FB33A75F-7684-9851-D602-E5B4BB1FB4EC}"/>
+              </a:ext>
+            </a:extLst>
+          </p:cNvPr>
+          <p:cNvSpPr>
+            <a:spLocks noGrp="1"/>
+          </p:cNvSpPr>
+          <p:nvPr>
+            <p:ph sz="half" idx="2"/>
+          </p:nvPr>
+        </p:nvSpPr>
+        <p:spPr/>
+        <p:txBody>
+          <a:bodyPr>
+            <a:normAutofit/>
+          </a:bodyPr>
+          <a:lstStyle/>
+          <a:p>
+            <a:r>
+              <a:rPr lang="en-IN" sz="3200" b="1" dirty="0"/>
+              <a:t>LIGHT GRADIENT BOOSTING</a:t>
+            </a:r>
+          </a:p>
+          <a:p>
+            <a:endParaRPr lang="en-IN" sz="3200" b="1" dirty="0"/>
+          </a:p>
+          <a:p>
+            <a:r>
+              <a:rPr lang="en-IN" sz="3200" b="1" dirty="0"/>
+              <a:t>Rainfall runoff prediction</a:t>
+            </a:r>
+          </a:p>
+          <a:p>
+            <a:r>
+              <a:rPr lang="en-IN" sz="3200" b="1" dirty="0"/>
+              <a:t>Medical data prediction</a:t>
+            </a:r>
+          </a:p>
+          <a:p>
+            <a:r>
+              <a:rPr lang="en-IN" sz="3200" b="1" dirty="0"/>
+              <a:t>Urban flood Prediction</a:t>
+            </a:r>
+          </a:p>
+          <a:p>
+            <a:endParaRPr lang="en-IN" sz="3200" b="1" dirty="0"/>
+          </a:p>
+        </p:txBody>
+      </p:sp>
+    </p:spTree>
+    <p:extLst>
+      <p:ext uri="{BB962C8B-B14F-4D97-AF65-F5344CB8AC3E}">
+        <p14:creationId xmlns:p14="http://schemas.microsoft.com/office/powerpoint/2010/main" val="3490838565"/>
+      </p:ext>
+    </p:extLst>
+  </p:cSld>
+  <p:clrMapOvr>
+    <a:masterClrMapping/>
+  </p:clrMapOvr>
+</p:sld>
+</file>
+
 <file path=ppt/slides/slide2.xml><?xml version="1.0" encoding="utf-8"?>
 <p:sld xmlns:a="http://schemas.openxmlformats.org/drawingml/2006/main" xmlns:r="http://schemas.openxmlformats.org/officeDocument/2006/relationships" xmlns:p="http://schemas.openxmlformats.org/presentationml/2006/main">
   <p:cSld>
@@ -4755,53 +5704,19 @@
           <a:chExt cx="0" cy="0"/>
         </a:xfrm>
       </p:grpSpPr>
-      <p:sp>
-        <p:nvSpPr>
-          <p:cNvPr id="2" name="Title 1">
-            <a:extLst>
-              <a:ext uri="{FF2B5EF4-FFF2-40B4-BE49-F238E27FC236}">
-                <a16:creationId xmlns:a16="http://schemas.microsoft.com/office/drawing/2014/main" id="{327ED534-BA92-F051-A3ED-59A12591A79E}"/>
-              </a:ext>
-            </a:extLst>
-          </p:cNvPr>
-          <p:cNvSpPr>
-            <a:spLocks noGrp="1"/>
-          </p:cNvSpPr>
-          <p:nvPr>
-            <p:ph type="title"/>
-          </p:nvPr>
-        </p:nvSpPr>
-        <p:spPr/>
-        <p:txBody>
-          <a:bodyPr/>
-          <a:lstStyle/>
-          <a:p>
-            <a:r>
-              <a:rPr lang="en-IN" dirty="0" err="1"/>
-              <a:t>Xg</a:t>
-            </a:r>
-            <a:r>
-              <a:rPr lang="en-IN" dirty="0"/>
-              <a:t> boosting(extreme gradient)</a:t>
-            </a:r>
-          </a:p>
-        </p:txBody>
-      </p:sp>
       <p:pic>
         <p:nvPicPr>
-          <p:cNvPr id="13" name="Content Placeholder 12" descr="A diagram of a diagram of a decision tree&#10;&#10;AI-generated content may be incorrect.">
-            <a:extLst>
-              <a:ext uri="{FF2B5EF4-FFF2-40B4-BE49-F238E27FC236}">
-                <a16:creationId xmlns:a16="http://schemas.microsoft.com/office/drawing/2014/main" id="{A77B80FA-60F7-FE77-BA2C-BE3441319108}"/>
+          <p:cNvPr id="2" name="Content Placeholder 4" descr="A list of a computer program&#10;&#10;AI-generated content may be incorrect.">
+            <a:extLst>
+              <a:ext uri="{FF2B5EF4-FFF2-40B4-BE49-F238E27FC236}">
+                <a16:creationId xmlns:a16="http://schemas.microsoft.com/office/drawing/2014/main" id="{7FE63369-C2A1-D8CF-34F3-01175581A652}"/>
               </a:ext>
             </a:extLst>
           </p:cNvPr>
           <p:cNvPicPr>
-            <a:picLocks noGrp="1" noChangeAspect="1"/>
+            <a:picLocks noChangeAspect="1"/>
           </p:cNvPicPr>
-          <p:nvPr>
-            <p:ph idx="1"/>
-          </p:nvPr>
+          <p:nvPr/>
         </p:nvPicPr>
         <p:blipFill>
           <a:blip r:embed="rId2">
@@ -4817,15 +5732,18 @@
         </p:blipFill>
         <p:spPr>
           <a:xfrm>
-            <a:off x="838200" y="1869440"/>
-            <a:ext cx="10368280" cy="4175760"/>
+            <a:off x="1259633" y="597159"/>
+            <a:ext cx="7737259" cy="5579804"/>
           </a:xfrm>
+          <a:prstGeom prst="rect">
+            <a:avLst/>
+          </a:prstGeom>
         </p:spPr>
       </p:pic>
     </p:spTree>
     <p:extLst>
       <p:ext uri="{BB962C8B-B14F-4D97-AF65-F5344CB8AC3E}">
-        <p14:creationId xmlns:p14="http://schemas.microsoft.com/office/powerpoint/2010/main" val="1096621271"/>
+        <p14:creationId xmlns:p14="http://schemas.microsoft.com/office/powerpoint/2010/main" val="1612887918"/>
       </p:ext>
     </p:extLst>
   </p:cSld>
@@ -4854,10 +5772,10 @@
       </p:grpSpPr>
       <p:sp>
         <p:nvSpPr>
-          <p:cNvPr id="2" name="Title 1">
-            <a:extLst>
-              <a:ext uri="{FF2B5EF4-FFF2-40B4-BE49-F238E27FC236}">
-                <a16:creationId xmlns:a16="http://schemas.microsoft.com/office/drawing/2014/main" id="{2F031B6D-536C-5FDC-7E4C-8DB02055BE2B}"/>
+          <p:cNvPr id="6" name="Title 5">
+            <a:extLst>
+              <a:ext uri="{FF2B5EF4-FFF2-40B4-BE49-F238E27FC236}">
+                <a16:creationId xmlns:a16="http://schemas.microsoft.com/office/drawing/2014/main" id="{FBB745AD-CCB2-6A1F-2DC8-BFB902307C2C}"/>
               </a:ext>
             </a:extLst>
           </p:cNvPr>
@@ -4875,50 +5793,93 @@
           <a:p>
             <a:r>
               <a:rPr lang="en-IN" dirty="0"/>
-              <a:t>How XG BOOSTING Differs</a:t>
-            </a:r>
-          </a:p>
-        </p:txBody>
-      </p:sp>
-      <p:pic>
-        <p:nvPicPr>
-          <p:cNvPr id="5" name="Content Placeholder 4" descr="A diagram of a diagram with text&#10;&#10;AI-generated content may be incorrect.">
-            <a:extLst>
-              <a:ext uri="{FF2B5EF4-FFF2-40B4-BE49-F238E27FC236}">
-                <a16:creationId xmlns:a16="http://schemas.microsoft.com/office/drawing/2014/main" id="{59FDFEE9-CE2C-A016-EE3C-BBC7C4DE812B}"/>
-              </a:ext>
-            </a:extLst>
-          </p:cNvPr>
-          <p:cNvPicPr>
-            <a:picLocks noGrp="1" noChangeAspect="1"/>
-          </p:cNvPicPr>
+              <a:t>Real time applications</a:t>
+            </a:r>
+          </a:p>
+        </p:txBody>
+      </p:sp>
+      <p:sp>
+        <p:nvSpPr>
+          <p:cNvPr id="7" name="Content Placeholder 6">
+            <a:extLst>
+              <a:ext uri="{FF2B5EF4-FFF2-40B4-BE49-F238E27FC236}">
+                <a16:creationId xmlns:a16="http://schemas.microsoft.com/office/drawing/2014/main" id="{4CD0FDD7-36FB-D7B2-4C30-D7227DE92D65}"/>
+              </a:ext>
+            </a:extLst>
+          </p:cNvPr>
+          <p:cNvSpPr>
+            <a:spLocks noGrp="1"/>
+          </p:cNvSpPr>
           <p:nvPr>
             <p:ph idx="1"/>
           </p:nvPr>
-        </p:nvPicPr>
-        <p:blipFill>
-          <a:blip r:embed="rId2">
-            <a:extLst>
-              <a:ext uri="{28A0092B-C50C-407E-A947-70E740481C1C}">
-                <a14:useLocalDpi xmlns:a14="http://schemas.microsoft.com/office/drawing/2010/main" val="0"/>
-              </a:ext>
-            </a:extLst>
-          </a:blip>
-          <a:stretch>
-            <a:fillRect/>
-          </a:stretch>
-        </p:blipFill>
-        <p:spPr>
-          <a:xfrm>
-            <a:off x="1911607" y="1825625"/>
-            <a:ext cx="8368785" cy="4351338"/>
-          </a:xfrm>
-        </p:spPr>
-      </p:pic>
+        </p:nvSpPr>
+        <p:spPr/>
+        <p:txBody>
+          <a:bodyPr/>
+          <a:lstStyle/>
+          <a:p>
+            <a:pPr marL="0" indent="0">
+              <a:buNone/>
+            </a:pPr>
+            <a:r>
+              <a:rPr lang="en-IN" dirty="0"/>
+              <a:t>    </a:t>
+            </a:r>
+          </a:p>
+          <a:p>
+            <a:pPr marL="0" indent="0">
+              <a:buNone/>
+            </a:pPr>
+            <a:r>
+              <a:rPr lang="en-IN" b="1" dirty="0"/>
+              <a:t>Object detection</a:t>
+            </a:r>
+            <a:r>
+              <a:rPr lang="en-IN" dirty="0"/>
+              <a:t>: It can be used in objects in real time images and videos.</a:t>
+            </a:r>
+          </a:p>
+          <a:p>
+            <a:pPr marL="0" indent="0">
+              <a:buNone/>
+            </a:pPr>
+            <a:r>
+              <a:rPr lang="en-IN" dirty="0"/>
+              <a:t> </a:t>
+            </a:r>
+            <a:r>
+              <a:rPr lang="en-IN" b="1" dirty="0"/>
+              <a:t>Medical </a:t>
+            </a:r>
+            <a:r>
+              <a:rPr lang="en-IN" b="1" dirty="0" err="1"/>
+              <a:t>diagonosis</a:t>
+            </a:r>
+            <a:r>
+              <a:rPr lang="en-IN" dirty="0"/>
+              <a:t>: Ada boost can be used to diagnose diseases in real time medical images</a:t>
+            </a:r>
+          </a:p>
+          <a:p>
+            <a:pPr marL="0" indent="0">
+              <a:buNone/>
+            </a:pPr>
+            <a:r>
+              <a:rPr lang="en-IN" b="1" dirty="0"/>
+              <a:t>Speech Recognition: </a:t>
+            </a:r>
+            <a:r>
+              <a:rPr lang="en-IN" dirty="0"/>
+              <a:t>It can be used to recognise speech in real time audio streams.</a:t>
+            </a:r>
+          </a:p>
+        </p:txBody>
+      </p:sp>
     </p:spTree>
     <p:extLst>
       <p:ext uri="{BB962C8B-B14F-4D97-AF65-F5344CB8AC3E}">
-        <p14:creationId xmlns:p14="http://schemas.microsoft.com/office/powerpoint/2010/main" val="1972081187"/>
+        <p14:creationId xmlns:p14="http://schemas.microsoft.com/office/powerpoint/2010/main" val="3351119956"/>
       </p:ext>
     </p:extLst>
   </p:cSld>
@@ -4950,7 +5911,7 @@
           <p:cNvPr id="2" name="Title 1">
             <a:extLst>
               <a:ext uri="{FF2B5EF4-FFF2-40B4-BE49-F238E27FC236}">
-                <a16:creationId xmlns:a16="http://schemas.microsoft.com/office/drawing/2014/main" id="{8DBAF4A4-759A-AEE5-C08D-EB9BE621AA9D}"/>
+                <a16:creationId xmlns:a16="http://schemas.microsoft.com/office/drawing/2014/main" id="{327ED534-BA92-F051-A3ED-59A12591A79E}"/>
               </a:ext>
             </a:extLst>
           </p:cNvPr>
@@ -4967,22 +5928,22 @@
           <a:lstStyle/>
           <a:p>
             <a:r>
+              <a:rPr lang="en-IN" dirty="0" err="1"/>
+              <a:t>Xg</a:t>
+            </a:r>
+            <a:r>
               <a:rPr lang="en-IN" dirty="0"/>
-              <a:t>Light boosting</a:t>
-            </a:r>
-            <a:br>
-              <a:rPr lang="en-IN" dirty="0"/>
-            </a:br>
-            <a:endParaRPr lang="en-IN" dirty="0"/>
+              <a:t> boosting(extreme gradient)</a:t>
+            </a:r>
           </a:p>
         </p:txBody>
       </p:sp>
       <p:pic>
         <p:nvPicPr>
-          <p:cNvPr id="5" name="Content Placeholder 4" descr="A diagram of a diagram of a diagram&#10;&#10;AI-generated content may be incorrect.">
-            <a:extLst>
-              <a:ext uri="{FF2B5EF4-FFF2-40B4-BE49-F238E27FC236}">
-                <a16:creationId xmlns:a16="http://schemas.microsoft.com/office/drawing/2014/main" id="{5D60F91D-1C93-7BC0-6562-BF7C709A815C}"/>
+          <p:cNvPr id="13" name="Content Placeholder 12" descr="A diagram of a diagram of a decision tree&#10;&#10;AI-generated content may be incorrect.">
+            <a:extLst>
+              <a:ext uri="{FF2B5EF4-FFF2-40B4-BE49-F238E27FC236}">
+                <a16:creationId xmlns:a16="http://schemas.microsoft.com/office/drawing/2014/main" id="{A77B80FA-60F7-FE77-BA2C-BE3441319108}"/>
               </a:ext>
             </a:extLst>
           </p:cNvPr>
@@ -5007,15 +5968,15 @@
         </p:blipFill>
         <p:spPr>
           <a:xfrm>
-            <a:off x="1351280" y="1971040"/>
-            <a:ext cx="8483600" cy="3627120"/>
+            <a:off x="838200" y="1869440"/>
+            <a:ext cx="10368280" cy="4175760"/>
           </a:xfrm>
         </p:spPr>
       </p:pic>
     </p:spTree>
     <p:extLst>
       <p:ext uri="{BB962C8B-B14F-4D97-AF65-F5344CB8AC3E}">
-        <p14:creationId xmlns:p14="http://schemas.microsoft.com/office/powerpoint/2010/main" val="943520843"/>
+        <p14:creationId xmlns:p14="http://schemas.microsoft.com/office/powerpoint/2010/main" val="1096621271"/>
       </p:ext>
     </p:extLst>
   </p:cSld>
@@ -5044,10 +6005,10 @@
       </p:grpSpPr>
       <p:sp>
         <p:nvSpPr>
-          <p:cNvPr id="4" name="Title 3">
-            <a:extLst>
-              <a:ext uri="{FF2B5EF4-FFF2-40B4-BE49-F238E27FC236}">
-                <a16:creationId xmlns:a16="http://schemas.microsoft.com/office/drawing/2014/main" id="{27BA4974-BCAB-E506-A56A-228EB566422F}"/>
+          <p:cNvPr id="2" name="Title 1">
+            <a:extLst>
+              <a:ext uri="{FF2B5EF4-FFF2-40B4-BE49-F238E27FC236}">
+                <a16:creationId xmlns:a16="http://schemas.microsoft.com/office/drawing/2014/main" id="{EB4641EE-CEE2-0E41-EC2F-E477F70F9801}"/>
               </a:ext>
             </a:extLst>
           </p:cNvPr>
@@ -5065,17 +6026,21 @@
           <a:p>
             <a:r>
               <a:rPr lang="en-IN" dirty="0"/>
-              <a:t>Why choosing XG BOOSTING</a:t>
-            </a:r>
+              <a:t>Advantages of XG boosting</a:t>
+            </a:r>
+            <a:br>
+              <a:rPr lang="en-IN" dirty="0"/>
+            </a:br>
+            <a:endParaRPr lang="en-IN" dirty="0"/>
           </a:p>
         </p:txBody>
       </p:sp>
       <p:pic>
         <p:nvPicPr>
-          <p:cNvPr id="10" name="Content Placeholder 9" descr="A chart with different colored rhombuses&#10;&#10;AI-generated content may be incorrect.">
-            <a:extLst>
-              <a:ext uri="{FF2B5EF4-FFF2-40B4-BE49-F238E27FC236}">
-                <a16:creationId xmlns:a16="http://schemas.microsoft.com/office/drawing/2014/main" id="{13284ABF-E6FC-0C93-8A95-B76233DE0FD3}"/>
+          <p:cNvPr id="4" name="Content Placeholder 4" descr="A diagram of a diagram with text&#10;&#10;AI-generated content may be incorrect.">
+            <a:extLst>
+              <a:ext uri="{FF2B5EF4-FFF2-40B4-BE49-F238E27FC236}">
+                <a16:creationId xmlns:a16="http://schemas.microsoft.com/office/drawing/2014/main" id="{0DC382E0-EE63-369B-4BA9-7020C0F30C19}"/>
               </a:ext>
             </a:extLst>
           </p:cNvPr>
@@ -5083,7 +6048,7 @@
             <a:picLocks noGrp="1" noChangeAspect="1"/>
           </p:cNvPicPr>
           <p:nvPr>
-            <p:ph sz="half" idx="1"/>
+            <p:ph idx="1"/>
           </p:nvPr>
         </p:nvPicPr>
         <p:blipFill>
@@ -5100,50 +6065,15 @@
         </p:blipFill>
         <p:spPr>
           <a:xfrm>
-            <a:off x="838200" y="2809526"/>
-            <a:ext cx="5181600" cy="2383536"/>
-          </a:xfrm>
-        </p:spPr>
-      </p:pic>
-      <p:pic>
-        <p:nvPicPr>
-          <p:cNvPr id="14" name="Content Placeholder 13" descr="A diagram of a tree algorithm&#10;&#10;AI-generated content may be incorrect.">
-            <a:extLst>
-              <a:ext uri="{FF2B5EF4-FFF2-40B4-BE49-F238E27FC236}">
-                <a16:creationId xmlns:a16="http://schemas.microsoft.com/office/drawing/2014/main" id="{F7A7604C-C702-F9B5-D970-788F18EE9F20}"/>
-              </a:ext>
-            </a:extLst>
-          </p:cNvPr>
-          <p:cNvPicPr>
-            <a:picLocks noGrp="1" noChangeAspect="1"/>
-          </p:cNvPicPr>
-          <p:nvPr>
-            <p:ph sz="half" idx="2"/>
-          </p:nvPr>
-        </p:nvPicPr>
-        <p:blipFill>
-          <a:blip r:embed="rId3">
-            <a:extLst>
-              <a:ext uri="{28A0092B-C50C-407E-A947-70E740481C1C}">
-                <a14:useLocalDpi xmlns:a14="http://schemas.microsoft.com/office/drawing/2010/main" val="0"/>
-              </a:ext>
-            </a:extLst>
-          </a:blip>
-          <a:stretch>
-            <a:fillRect/>
-          </a:stretch>
-        </p:blipFill>
-        <p:spPr>
-          <a:xfrm>
-            <a:off x="6172200" y="2543969"/>
-            <a:ext cx="5181600" cy="2914650"/>
+            <a:off x="1911607" y="1825625"/>
+            <a:ext cx="8368785" cy="4351338"/>
           </a:xfrm>
         </p:spPr>
       </p:pic>
     </p:spTree>
     <p:extLst>
       <p:ext uri="{BB962C8B-B14F-4D97-AF65-F5344CB8AC3E}">
-        <p14:creationId xmlns:p14="http://schemas.microsoft.com/office/powerpoint/2010/main" val="295096551"/>
+        <p14:creationId xmlns:p14="http://schemas.microsoft.com/office/powerpoint/2010/main" val="1958402470"/>
       </p:ext>
     </p:extLst>
   </p:cSld>
@@ -5175,55 +6105,117 @@
           <p:cNvPr id="2" name="Title 1">
             <a:extLst>
               <a:ext uri="{FF2B5EF4-FFF2-40B4-BE49-F238E27FC236}">
-                <a16:creationId xmlns:a16="http://schemas.microsoft.com/office/drawing/2014/main" id="{3136B336-6C2E-1605-2593-447B33D5A496}"/>
-              </a:ext>
-            </a:extLst>
-          </p:cNvPr>
-          <p:cNvSpPr>
-            <a:spLocks noGrp="1"/>
-          </p:cNvSpPr>
-          <p:nvPr>
-            <p:ph type="ctrTitle"/>
+                <a16:creationId xmlns:a16="http://schemas.microsoft.com/office/drawing/2014/main" id="{8EC8C334-4B1F-F2BF-9D52-A28076D9185F}"/>
+              </a:ext>
+            </a:extLst>
+          </p:cNvPr>
+          <p:cNvSpPr>
+            <a:spLocks noGrp="1"/>
+          </p:cNvSpPr>
+          <p:nvPr>
+            <p:ph type="title"/>
           </p:nvPr>
         </p:nvSpPr>
         <p:spPr/>
         <p:txBody>
+          <a:bodyPr>
+            <a:normAutofit fontScale="90000"/>
+          </a:bodyPr>
+          <a:lstStyle/>
+          <a:p>
+            <a:r>
+              <a:rPr lang="en-IN" dirty="0"/>
+              <a:t>May not be best choice XG-Why?</a:t>
+            </a:r>
+            <a:br>
+              <a:rPr lang="en-IN" dirty="0"/>
+            </a:br>
+            <a:br>
+              <a:rPr lang="en-IN" dirty="0"/>
+            </a:br>
+            <a:endParaRPr lang="en-IN" dirty="0"/>
+          </a:p>
+        </p:txBody>
+      </p:sp>
+      <p:sp>
+        <p:nvSpPr>
+          <p:cNvPr id="3" name="Content Placeholder 2">
+            <a:extLst>
+              <a:ext uri="{FF2B5EF4-FFF2-40B4-BE49-F238E27FC236}">
+                <a16:creationId xmlns:a16="http://schemas.microsoft.com/office/drawing/2014/main" id="{ABA804C6-E07D-7E42-41BE-5A33DFF98006}"/>
+              </a:ext>
+            </a:extLst>
+          </p:cNvPr>
+          <p:cNvSpPr>
+            <a:spLocks noGrp="1"/>
+          </p:cNvSpPr>
+          <p:nvPr>
+            <p:ph idx="1"/>
+          </p:nvPr>
+        </p:nvSpPr>
+        <p:spPr/>
+        <p:txBody>
           <a:bodyPr/>
           <a:lstStyle/>
           <a:p>
-            <a:endParaRPr lang="en-IN"/>
-          </a:p>
-        </p:txBody>
-      </p:sp>
-      <p:sp>
-        <p:nvSpPr>
-          <p:cNvPr id="3" name="Subtitle 2">
-            <a:extLst>
-              <a:ext uri="{FF2B5EF4-FFF2-40B4-BE49-F238E27FC236}">
-                <a16:creationId xmlns:a16="http://schemas.microsoft.com/office/drawing/2014/main" id="{3875C582-8D42-7BFA-65C3-E6A3F57288D6}"/>
-              </a:ext>
-            </a:extLst>
-          </p:cNvPr>
-          <p:cNvSpPr>
-            <a:spLocks noGrp="1"/>
-          </p:cNvSpPr>
-          <p:nvPr>
-            <p:ph type="subTitle" idx="1"/>
-          </p:nvPr>
-        </p:nvSpPr>
-        <p:spPr/>
-        <p:txBody>
-          <a:bodyPr/>
-          <a:lstStyle/>
-          <a:p>
-            <a:endParaRPr lang="en-IN"/>
+            <a:pPr marL="0" indent="0">
+              <a:buNone/>
+            </a:pPr>
+            <a:endParaRPr lang="en-IN" dirty="0"/>
+          </a:p>
+          <a:p>
+            <a:pPr marL="0" indent="0">
+              <a:buNone/>
+            </a:pPr>
+            <a:endParaRPr lang="en-IN" dirty="0"/>
+          </a:p>
+          <a:p>
+            <a:pPr marL="0" indent="0">
+              <a:buNone/>
+            </a:pPr>
+            <a:r>
+              <a:rPr lang="en-IN" dirty="0"/>
+              <a:t>Sensitive to noisy datasets, which can affect its accuracy</a:t>
+            </a:r>
+          </a:p>
+          <a:p>
+            <a:pPr marL="0" indent="0">
+              <a:buNone/>
+            </a:pPr>
+            <a:endParaRPr lang="en-IN" dirty="0"/>
+          </a:p>
+          <a:p>
+            <a:pPr marL="0" indent="0">
+              <a:buNone/>
+            </a:pPr>
+            <a:r>
+              <a:rPr lang="en-IN" dirty="0"/>
+              <a:t>May not work with small </a:t>
+            </a:r>
+            <a:r>
+              <a:rPr lang="en-IN" dirty="0" err="1"/>
+              <a:t>datsets,as</a:t>
+            </a:r>
+            <a:r>
+              <a:rPr lang="en-IN" dirty="0"/>
+              <a:t> it can overfit</a:t>
+            </a:r>
+          </a:p>
+          <a:p>
+            <a:pPr marL="0" indent="0">
+              <a:buNone/>
+            </a:pPr>
+            <a:r>
+              <a:rPr lang="en-IN" dirty="0"/>
+              <a:t>  </a:t>
+            </a:r>
           </a:p>
         </p:txBody>
       </p:sp>
     </p:spTree>
     <p:extLst>
       <p:ext uri="{BB962C8B-B14F-4D97-AF65-F5344CB8AC3E}">
-        <p14:creationId xmlns:p14="http://schemas.microsoft.com/office/powerpoint/2010/main" val="331328997"/>
+        <p14:creationId xmlns:p14="http://schemas.microsoft.com/office/powerpoint/2010/main" val="2301389801"/>
       </p:ext>
     </p:extLst>
   </p:cSld>
